--- a/chapter-02/05-helm/02_05_helm.pptx
+++ b/chapter-02/05-helm/02_05_helm.pptx
@@ -258,7 +258,7 @@
           <a:p>
             <a:fld id="{7C2A2C10-8C9F-9B42-9862-A5B84F1CAB8B}" type="datetimeFigureOut">
               <a:rPr lang="en-US" smtClean="0"/>
-              <a:t>4/14/2023</a:t>
+              <a:t>4/16/2023</a:t>
             </a:fld>
             <a:endParaRPr lang="en-US"/>
           </a:p>
@@ -15384,7 +15384,7 @@
             </a:r>
             <a:r>
               <a:rPr lang="en-US" dirty="0"/>
-              <a:t>-chart’ in the ‘chapter-02’ namespace.  It should use the nginx:1.23 image and a </a:t>
+              <a:t>-chart’ in the ‘chapter-02’ namespace.  It should use the ‘nginx:1.23’ image and a </a:t>
             </a:r>
             <a:r>
               <a:rPr lang="en-US" dirty="0" err="1"/>
@@ -15398,7 +15398,19 @@
           <a:p>
             <a:r>
               <a:rPr lang="en-US" dirty="0"/>
-              <a:t>Deploy the nginx package from the </a:t>
+              <a:t>Deploy the ‘</a:t>
+            </a:r>
+            <a:r>
+              <a:rPr lang="en-US" dirty="0" err="1"/>
+              <a:t>nginx</a:t>
+            </a:r>
+            <a:r>
+              <a:rPr lang="en-US"/>
+              <a:t>’ </a:t>
+            </a:r>
+            <a:r>
+              <a:rPr lang="en-US" dirty="0"/>
+              <a:t>package from the </a:t>
             </a:r>
             <a:r>
               <a:rPr lang="en-US" dirty="0" err="1"/>
@@ -15408,10 +15420,6 @@
               <a:rPr lang="en-US" dirty="0"/>
               <a:t> repo</a:t>
             </a:r>
-            <a:br>
-              <a:rPr lang="en-US" dirty="0"/>
-            </a:br>
-            <a:endParaRPr lang="en-US" dirty="0"/>
           </a:p>
         </p:txBody>
       </p:sp>
